--- a/docs/tutorials/quickstart/quickstart-images.pptx
+++ b/docs/tutorials/quickstart/quickstart-images.pptx
@@ -5,10 +5,12 @@
     <p:sldMasterId id="2147483648" r:id="rId1"/>
   </p:sldMasterIdLst>
   <p:sldIdLst>
-    <p:sldId id="256" r:id="rId2"/>
-    <p:sldId id="257" r:id="rId3"/>
-    <p:sldId id="258" r:id="rId4"/>
-    <p:sldId id="259" r:id="rId5"/>
+    <p:sldId id="260" r:id="rId2"/>
+    <p:sldId id="261" r:id="rId3"/>
+    <p:sldId id="256" r:id="rId4"/>
+    <p:sldId id="257" r:id="rId5"/>
+    <p:sldId id="258" r:id="rId6"/>
+    <p:sldId id="259" r:id="rId7"/>
   </p:sldIdLst>
   <p:sldSz cx="12192000" cy="6858000"/>
   <p:notesSz cx="6858000" cy="9144000"/>
@@ -107,6 +109,11 @@
       </a:defRPr>
     </a:lvl9pPr>
   </p:defaultTextStyle>
+  <p:extLst>
+    <p:ext uri="{EFAFB233-063F-42B5-8137-9DF3F51BA10A}">
+      <p15:sldGuideLst xmlns:p15="http://schemas.microsoft.com/office/powerpoint/2012/main"/>
+    </p:ext>
+  </p:extLst>
 </p:presentation>
 </file>
 
@@ -241,7 +248,7 @@
           <a:p>
             <a:fld id="{AE0DF4C7-648D-420C-94DC-262ADAD6D689}" type="datetimeFigureOut">
               <a:rPr lang="de-DE" smtClean="0"/>
-              <a:t>02.05.2020</a:t>
+              <a:t>04.05.2020</a:t>
             </a:fld>
             <a:endParaRPr lang="de-DE"/>
           </a:p>
@@ -411,7 +418,7 @@
           <a:p>
             <a:fld id="{AE0DF4C7-648D-420C-94DC-262ADAD6D689}" type="datetimeFigureOut">
               <a:rPr lang="de-DE" smtClean="0"/>
-              <a:t>02.05.2020</a:t>
+              <a:t>04.05.2020</a:t>
             </a:fld>
             <a:endParaRPr lang="de-DE"/>
           </a:p>
@@ -591,7 +598,7 @@
           <a:p>
             <a:fld id="{AE0DF4C7-648D-420C-94DC-262ADAD6D689}" type="datetimeFigureOut">
               <a:rPr lang="de-DE" smtClean="0"/>
-              <a:t>02.05.2020</a:t>
+              <a:t>04.05.2020</a:t>
             </a:fld>
             <a:endParaRPr lang="de-DE"/>
           </a:p>
@@ -761,7 +768,7 @@
           <a:p>
             <a:fld id="{AE0DF4C7-648D-420C-94DC-262ADAD6D689}" type="datetimeFigureOut">
               <a:rPr lang="de-DE" smtClean="0"/>
-              <a:t>02.05.2020</a:t>
+              <a:t>04.05.2020</a:t>
             </a:fld>
             <a:endParaRPr lang="de-DE"/>
           </a:p>
@@ -1007,7 +1014,7 @@
           <a:p>
             <a:fld id="{AE0DF4C7-648D-420C-94DC-262ADAD6D689}" type="datetimeFigureOut">
               <a:rPr lang="de-DE" smtClean="0"/>
-              <a:t>02.05.2020</a:t>
+              <a:t>04.05.2020</a:t>
             </a:fld>
             <a:endParaRPr lang="de-DE"/>
           </a:p>
@@ -1239,7 +1246,7 @@
           <a:p>
             <a:fld id="{AE0DF4C7-648D-420C-94DC-262ADAD6D689}" type="datetimeFigureOut">
               <a:rPr lang="de-DE" smtClean="0"/>
-              <a:t>02.05.2020</a:t>
+              <a:t>04.05.2020</a:t>
             </a:fld>
             <a:endParaRPr lang="de-DE"/>
           </a:p>
@@ -1606,7 +1613,7 @@
           <a:p>
             <a:fld id="{AE0DF4C7-648D-420C-94DC-262ADAD6D689}" type="datetimeFigureOut">
               <a:rPr lang="de-DE" smtClean="0"/>
-              <a:t>02.05.2020</a:t>
+              <a:t>04.05.2020</a:t>
             </a:fld>
             <a:endParaRPr lang="de-DE"/>
           </a:p>
@@ -1724,7 +1731,7 @@
           <a:p>
             <a:fld id="{AE0DF4C7-648D-420C-94DC-262ADAD6D689}" type="datetimeFigureOut">
               <a:rPr lang="de-DE" smtClean="0"/>
-              <a:t>02.05.2020</a:t>
+              <a:t>04.05.2020</a:t>
             </a:fld>
             <a:endParaRPr lang="de-DE"/>
           </a:p>
@@ -1819,7 +1826,7 @@
           <a:p>
             <a:fld id="{AE0DF4C7-648D-420C-94DC-262ADAD6D689}" type="datetimeFigureOut">
               <a:rPr lang="de-DE" smtClean="0"/>
-              <a:t>02.05.2020</a:t>
+              <a:t>04.05.2020</a:t>
             </a:fld>
             <a:endParaRPr lang="de-DE"/>
           </a:p>
@@ -2096,7 +2103,7 @@
           <a:p>
             <a:fld id="{AE0DF4C7-648D-420C-94DC-262ADAD6D689}" type="datetimeFigureOut">
               <a:rPr lang="de-DE" smtClean="0"/>
-              <a:t>02.05.2020</a:t>
+              <a:t>04.05.2020</a:t>
             </a:fld>
             <a:endParaRPr lang="de-DE"/>
           </a:p>
@@ -2349,7 +2356,7 @@
           <a:p>
             <a:fld id="{AE0DF4C7-648D-420C-94DC-262ADAD6D689}" type="datetimeFigureOut">
               <a:rPr lang="de-DE" smtClean="0"/>
-              <a:t>02.05.2020</a:t>
+              <a:t>04.05.2020</a:t>
             </a:fld>
             <a:endParaRPr lang="de-DE"/>
           </a:p>
@@ -2562,7 +2569,7 @@
           <a:p>
             <a:fld id="{AE0DF4C7-648D-420C-94DC-262ADAD6D689}" type="datetimeFigureOut">
               <a:rPr lang="de-DE" smtClean="0"/>
-              <a:t>02.05.2020</a:t>
+              <a:t>04.05.2020</a:t>
             </a:fld>
             <a:endParaRPr lang="de-DE"/>
           </a:p>
@@ -2951,6 +2958,1900 @@
 </file>
 
 <file path=ppt/slides/slide1.xml><?xml version="1.0" encoding="utf-8"?>
+<p:sld xmlns:a="http://schemas.openxmlformats.org/drawingml/2006/main" xmlns:r="http://schemas.openxmlformats.org/officeDocument/2006/relationships" xmlns:p="http://schemas.openxmlformats.org/presentationml/2006/main">
+  <p:cSld>
+    <p:spTree>
+      <p:nvGrpSpPr>
+        <p:cNvPr id="1" name=""/>
+        <p:cNvGrpSpPr/>
+        <p:nvPr/>
+      </p:nvGrpSpPr>
+      <p:grpSpPr>
+        <a:xfrm>
+          <a:off x="0" y="0"/>
+          <a:ext cx="0" cy="0"/>
+          <a:chOff x="0" y="0"/>
+          <a:chExt cx="0" cy="0"/>
+        </a:xfrm>
+      </p:grpSpPr>
+      <p:sp>
+        <p:nvSpPr>
+          <p:cNvPr id="4" name="Titel 3"/>
+          <p:cNvSpPr>
+            <a:spLocks noGrp="1"/>
+          </p:cNvSpPr>
+          <p:nvPr>
+            <p:ph type="title"/>
+          </p:nvPr>
+        </p:nvSpPr>
+        <p:spPr/>
+        <p:txBody>
+          <a:bodyPr/>
+          <a:lstStyle/>
+          <a:p>
+            <a:r>
+              <a:rPr lang="de-DE" dirty="0" err="1" smtClean="0"/>
+              <a:t>Conversion</a:t>
+            </a:r>
+            <a:r>
+              <a:rPr lang="de-DE" dirty="0" smtClean="0"/>
+              <a:t> </a:t>
+            </a:r>
+            <a:r>
+              <a:rPr lang="de-DE" dirty="0" err="1" smtClean="0"/>
+              <a:t>to</a:t>
+            </a:r>
+            <a:r>
+              <a:rPr lang="de-DE" dirty="0" smtClean="0"/>
+              <a:t> SVG</a:t>
+            </a:r>
+            <a:endParaRPr lang="en-US" dirty="0"/>
+          </a:p>
+        </p:txBody>
+      </p:sp>
+      <p:sp>
+        <p:nvSpPr>
+          <p:cNvPr id="5" name="Inhaltsplatzhalter 4"/>
+          <p:cNvSpPr>
+            <a:spLocks noGrp="1"/>
+          </p:cNvSpPr>
+          <p:nvPr>
+            <p:ph idx="1"/>
+          </p:nvPr>
+        </p:nvSpPr>
+        <p:spPr/>
+        <p:txBody>
+          <a:bodyPr>
+            <a:normAutofit/>
+          </a:bodyPr>
+          <a:lstStyle/>
+          <a:p>
+            <a:r>
+              <a:rPr lang="en-US" dirty="0" smtClean="0"/>
+              <a:t>Go to slide and mark everything with ctrl-a</a:t>
+            </a:r>
+          </a:p>
+          <a:p>
+            <a:r>
+              <a:rPr lang="en-US" dirty="0" smtClean="0"/>
+              <a:t>Right-click and “save image as…” -&gt; .</a:t>
+            </a:r>
+            <a:r>
+              <a:rPr lang="en-US" dirty="0" err="1" smtClean="0"/>
+              <a:t>emf</a:t>
+            </a:r>
+            <a:endParaRPr lang="en-US" dirty="0" smtClean="0"/>
+          </a:p>
+          <a:p>
+            <a:r>
+              <a:rPr lang="en-US" dirty="0" smtClean="0"/>
+              <a:t>Go to </a:t>
+            </a:r>
+            <a:r>
+              <a:rPr lang="en-US" dirty="0" smtClean="0">
+                <a:hlinkClick r:id="rId2"/>
+              </a:rPr>
+              <a:t>https://convertio.co/de/emf-svg/</a:t>
+            </a:r>
+            <a:endParaRPr lang="en-US" dirty="0" smtClean="0"/>
+          </a:p>
+          <a:p>
+            <a:r>
+              <a:rPr lang="en-US" dirty="0" smtClean="0"/>
+              <a:t>Upload .</a:t>
+            </a:r>
+            <a:r>
+              <a:rPr lang="en-US" dirty="0" err="1" smtClean="0"/>
+              <a:t>emf</a:t>
+            </a:r>
+            <a:r>
+              <a:rPr lang="en-US" dirty="0" smtClean="0"/>
+              <a:t>, convert, download .</a:t>
+            </a:r>
+            <a:r>
+              <a:rPr lang="en-US" dirty="0" err="1" smtClean="0"/>
+              <a:t>svg</a:t>
+            </a:r>
+            <a:endParaRPr lang="en-US" dirty="0" smtClean="0"/>
+          </a:p>
+          <a:p>
+            <a:r>
+              <a:rPr lang="en-US" dirty="0" smtClean="0"/>
+              <a:t>Enjoy scalable graphics in docs </a:t>
+            </a:r>
+            <a:r>
+              <a:rPr lang="en-US" dirty="0" smtClean="0">
+                <a:sym typeface="Wingdings" panose="05000000000000000000" pitchFamily="2" charset="2"/>
+              </a:rPr>
+              <a:t></a:t>
+            </a:r>
+          </a:p>
+          <a:p>
+            <a:endParaRPr lang="de-DE" dirty="0">
+              <a:sym typeface="Wingdings" panose="05000000000000000000" pitchFamily="2" charset="2"/>
+            </a:endParaRPr>
+          </a:p>
+          <a:p>
+            <a:r>
+              <a:rPr lang="de-DE" dirty="0" err="1" smtClean="0">
+                <a:sym typeface="Wingdings" panose="05000000000000000000" pitchFamily="2" charset="2"/>
+              </a:rPr>
+              <a:t>Restrictions</a:t>
+            </a:r>
+            <a:r>
+              <a:rPr lang="de-DE" dirty="0" smtClean="0">
+                <a:sym typeface="Wingdings" panose="05000000000000000000" pitchFamily="2" charset="2"/>
+              </a:rPr>
+              <a:t>: </a:t>
+            </a:r>
+            <a:r>
+              <a:rPr lang="en-US" b="1" dirty="0" smtClean="0">
+                <a:sym typeface="Wingdings" panose="05000000000000000000" pitchFamily="2" charset="2"/>
+              </a:rPr>
+              <a:t>10 </a:t>
+            </a:r>
+            <a:r>
+              <a:rPr lang="en-US" b="1" dirty="0" smtClean="0"/>
+              <a:t>Minutes Conversion Time per Day </a:t>
+            </a:r>
+            <a:r>
+              <a:rPr lang="en-US" b="1" dirty="0" smtClean="0">
+                <a:sym typeface="Wingdings" panose="05000000000000000000" pitchFamily="2" charset="2"/>
+              </a:rPr>
+              <a:t></a:t>
+            </a:r>
+            <a:endParaRPr lang="en-US" b="1" dirty="0"/>
+          </a:p>
+          <a:p>
+            <a:pPr marL="0" indent="0">
+              <a:buNone/>
+            </a:pPr>
+            <a:endParaRPr lang="en-US" dirty="0"/>
+          </a:p>
+        </p:txBody>
+      </p:sp>
+    </p:spTree>
+    <p:extLst>
+      <p:ext uri="{BB962C8B-B14F-4D97-AF65-F5344CB8AC3E}">
+        <p14:creationId xmlns:p14="http://schemas.microsoft.com/office/powerpoint/2010/main" val="1423801374"/>
+      </p:ext>
+    </p:extLst>
+  </p:cSld>
+  <p:clrMapOvr>
+    <a:masterClrMapping/>
+  </p:clrMapOvr>
+  <p:timing>
+    <p:tnLst>
+      <p:par>
+        <p:cTn id="1" dur="indefinite" restart="never" nodeType="tmRoot"/>
+      </p:par>
+    </p:tnLst>
+  </p:timing>
+</p:sld>
+</file>
+
+<file path=ppt/slides/slide2.xml><?xml version="1.0" encoding="utf-8"?>
+<p:sld xmlns:a="http://schemas.openxmlformats.org/drawingml/2006/main" xmlns:r="http://schemas.openxmlformats.org/officeDocument/2006/relationships" xmlns:p="http://schemas.openxmlformats.org/presentationml/2006/main">
+  <p:cSld>
+    <p:spTree>
+      <p:nvGrpSpPr>
+        <p:cNvPr id="1" name=""/>
+        <p:cNvGrpSpPr/>
+        <p:nvPr/>
+      </p:nvGrpSpPr>
+      <p:grpSpPr>
+        <a:xfrm>
+          <a:off x="0" y="0"/>
+          <a:ext cx="0" cy="0"/>
+          <a:chOff x="0" y="0"/>
+          <a:chExt cx="0" cy="0"/>
+        </a:xfrm>
+      </p:grpSpPr>
+      <p:sp>
+        <p:nvSpPr>
+          <p:cNvPr id="2" name="Titel 1"/>
+          <p:cNvSpPr>
+            <a:spLocks noGrp="1"/>
+          </p:cNvSpPr>
+          <p:nvPr>
+            <p:ph type="title"/>
+          </p:nvPr>
+        </p:nvSpPr>
+        <p:spPr/>
+        <p:txBody>
+          <a:bodyPr/>
+          <a:lstStyle/>
+          <a:p>
+            <a:r>
+              <a:rPr lang="de-DE" dirty="0" smtClean="0"/>
+              <a:t>Test SVG </a:t>
+            </a:r>
+            <a:r>
+              <a:rPr lang="de-DE" dirty="0" err="1" smtClean="0"/>
+              <a:t>compatibility</a:t>
+            </a:r>
+            <a:r>
+              <a:rPr lang="de-DE" smtClean="0"/>
+              <a:t>…</a:t>
+            </a:r>
+            <a:endParaRPr lang="de-DE"/>
+          </a:p>
+        </p:txBody>
+      </p:sp>
+      <p:sp>
+        <p:nvSpPr>
+          <p:cNvPr id="3" name="Inhaltsplatzhalter 2"/>
+          <p:cNvSpPr>
+            <a:spLocks noGrp="1"/>
+          </p:cNvSpPr>
+          <p:nvPr>
+            <p:ph idx="1"/>
+          </p:nvPr>
+        </p:nvSpPr>
+        <p:spPr/>
+        <p:txBody>
+          <a:bodyPr/>
+          <a:lstStyle/>
+          <a:p>
+            <a:endParaRPr lang="de-DE"/>
+          </a:p>
+        </p:txBody>
+      </p:sp>
+      <p:sp>
+        <p:nvSpPr>
+          <p:cNvPr id="4" name="Oval 4"/>
+          <p:cNvSpPr>
+            <a:spLocks noChangeArrowheads="1"/>
+          </p:cNvSpPr>
+          <p:nvPr/>
+        </p:nvSpPr>
+        <p:spPr bwMode="auto">
+          <a:xfrm>
+            <a:off x="1835150" y="4365625"/>
+            <a:ext cx="1008063" cy="1008063"/>
+          </a:xfrm>
+          <a:prstGeom prst="ellipse">
+            <a:avLst/>
+          </a:prstGeom>
+          <a:gradFill rotWithShape="1">
+            <a:gsLst>
+              <a:gs pos="0">
+                <a:srgbClr val="EAEAEA"/>
+              </a:gs>
+              <a:gs pos="100000">
+                <a:schemeClr val="hlink"/>
+              </a:gs>
+            </a:gsLst>
+            <a:lin ang="2700000" scaled="1"/>
+          </a:gradFill>
+          <a:ln w="9525">
+            <a:solidFill>
+              <a:schemeClr val="tx1"/>
+            </a:solidFill>
+            <a:round/>
+            <a:headEnd/>
+            <a:tailEnd/>
+          </a:ln>
+          <a:effectLst>
+            <a:outerShdw dist="35921" dir="2700000" algn="ctr" rotWithShape="0">
+              <a:schemeClr val="bg2"/>
+            </a:outerShdw>
+          </a:effectLst>
+        </p:spPr>
+        <p:txBody>
+          <a:bodyPr wrap="none" anchor="ctr"/>
+          <a:lstStyle>
+            <a:lvl1pPr>
+              <a:spcBef>
+                <a:spcPct val="20000"/>
+              </a:spcBef>
+              <a:buChar char="•"/>
+              <a:defRPr sz="3000">
+                <a:solidFill>
+                  <a:schemeClr val="tx1"/>
+                </a:solidFill>
+                <a:latin typeface="Arial" panose="020B0604020202020204" pitchFamily="34" charset="0"/>
+              </a:defRPr>
+            </a:lvl1pPr>
+            <a:lvl2pPr marL="742950" indent="-285750">
+              <a:spcBef>
+                <a:spcPct val="20000"/>
+              </a:spcBef>
+              <a:buFont typeface="Wingdings" panose="05000000000000000000" pitchFamily="2" charset="2"/>
+              <a:buChar char="§"/>
+              <a:defRPr sz="2600">
+                <a:solidFill>
+                  <a:schemeClr val="tx1"/>
+                </a:solidFill>
+                <a:latin typeface="Arial" panose="020B0604020202020204" pitchFamily="34" charset="0"/>
+              </a:defRPr>
+            </a:lvl2pPr>
+            <a:lvl3pPr marL="1143000" indent="-228600">
+              <a:spcBef>
+                <a:spcPct val="20000"/>
+              </a:spcBef>
+              <a:buChar char="•"/>
+              <a:defRPr sz="2400">
+                <a:solidFill>
+                  <a:schemeClr val="tx1"/>
+                </a:solidFill>
+                <a:latin typeface="Arial" panose="020B0604020202020204" pitchFamily="34" charset="0"/>
+              </a:defRPr>
+            </a:lvl3pPr>
+            <a:lvl4pPr marL="1600200" indent="-228600">
+              <a:spcBef>
+                <a:spcPct val="20000"/>
+              </a:spcBef>
+              <a:buChar char="–"/>
+              <a:defRPr sz="2400">
+                <a:solidFill>
+                  <a:schemeClr val="tx1"/>
+                </a:solidFill>
+                <a:latin typeface="Arial" panose="020B0604020202020204" pitchFamily="34" charset="0"/>
+              </a:defRPr>
+            </a:lvl4pPr>
+            <a:lvl5pPr marL="2057400" indent="-228600">
+              <a:spcBef>
+                <a:spcPct val="20000"/>
+              </a:spcBef>
+              <a:buChar char="»"/>
+              <a:defRPr sz="2000">
+                <a:solidFill>
+                  <a:schemeClr val="tx1"/>
+                </a:solidFill>
+                <a:latin typeface="Arial" panose="020B0604020202020204" pitchFamily="34" charset="0"/>
+              </a:defRPr>
+            </a:lvl5pPr>
+            <a:lvl6pPr marL="2514600" indent="-228600" eaLnBrk="0" fontAlgn="base" hangingPunct="0">
+              <a:spcBef>
+                <a:spcPct val="20000"/>
+              </a:spcBef>
+              <a:spcAft>
+                <a:spcPct val="0"/>
+              </a:spcAft>
+              <a:buChar char="»"/>
+              <a:defRPr sz="2000">
+                <a:solidFill>
+                  <a:schemeClr val="tx1"/>
+                </a:solidFill>
+                <a:latin typeface="Arial" panose="020B0604020202020204" pitchFamily="34" charset="0"/>
+              </a:defRPr>
+            </a:lvl6pPr>
+            <a:lvl7pPr marL="2971800" indent="-228600" eaLnBrk="0" fontAlgn="base" hangingPunct="0">
+              <a:spcBef>
+                <a:spcPct val="20000"/>
+              </a:spcBef>
+              <a:spcAft>
+                <a:spcPct val="0"/>
+              </a:spcAft>
+              <a:buChar char="»"/>
+              <a:defRPr sz="2000">
+                <a:solidFill>
+                  <a:schemeClr val="tx1"/>
+                </a:solidFill>
+                <a:latin typeface="Arial" panose="020B0604020202020204" pitchFamily="34" charset="0"/>
+              </a:defRPr>
+            </a:lvl7pPr>
+            <a:lvl8pPr marL="3429000" indent="-228600" eaLnBrk="0" fontAlgn="base" hangingPunct="0">
+              <a:spcBef>
+                <a:spcPct val="20000"/>
+              </a:spcBef>
+              <a:spcAft>
+                <a:spcPct val="0"/>
+              </a:spcAft>
+              <a:buChar char="»"/>
+              <a:defRPr sz="2000">
+                <a:solidFill>
+                  <a:schemeClr val="tx1"/>
+                </a:solidFill>
+                <a:latin typeface="Arial" panose="020B0604020202020204" pitchFamily="34" charset="0"/>
+              </a:defRPr>
+            </a:lvl8pPr>
+            <a:lvl9pPr marL="3886200" indent="-228600" eaLnBrk="0" fontAlgn="base" hangingPunct="0">
+              <a:spcBef>
+                <a:spcPct val="20000"/>
+              </a:spcBef>
+              <a:spcAft>
+                <a:spcPct val="0"/>
+              </a:spcAft>
+              <a:buChar char="»"/>
+              <a:defRPr sz="2000">
+                <a:solidFill>
+                  <a:schemeClr val="tx1"/>
+                </a:solidFill>
+                <a:latin typeface="Arial" panose="020B0604020202020204" pitchFamily="34" charset="0"/>
+              </a:defRPr>
+            </a:lvl9pPr>
+          </a:lstStyle>
+          <a:p>
+            <a:pPr algn="ctr" eaLnBrk="1" hangingPunct="1">
+              <a:spcBef>
+                <a:spcPct val="0"/>
+              </a:spcBef>
+              <a:buFontTx/>
+              <a:buNone/>
+            </a:pPr>
+            <a:r>
+              <a:rPr lang="en-US" altLang="de-DE" sz="1800"/>
+              <a:t>Time</a:t>
+            </a:r>
+          </a:p>
+          <a:p>
+            <a:pPr algn="ctr" eaLnBrk="1" hangingPunct="1">
+              <a:spcBef>
+                <a:spcPct val="0"/>
+              </a:spcBef>
+              <a:buFontTx/>
+              <a:buNone/>
+            </a:pPr>
+            <a:r>
+              <a:rPr lang="en-US" altLang="de-DE" sz="1800"/>
+              <a:t>User</a:t>
+            </a:r>
+          </a:p>
+        </p:txBody>
+      </p:sp>
+      <p:sp>
+        <p:nvSpPr>
+          <p:cNvPr id="5" name="Oval 5"/>
+          <p:cNvSpPr>
+            <a:spLocks noChangeArrowheads="1"/>
+          </p:cNvSpPr>
+          <p:nvPr/>
+        </p:nvSpPr>
+        <p:spPr bwMode="auto">
+          <a:xfrm>
+            <a:off x="6372225" y="1484313"/>
+            <a:ext cx="1008063" cy="1008062"/>
+          </a:xfrm>
+          <a:prstGeom prst="ellipse">
+            <a:avLst/>
+          </a:prstGeom>
+          <a:gradFill rotWithShape="1">
+            <a:gsLst>
+              <a:gs pos="0">
+                <a:srgbClr val="EAEAEA"/>
+              </a:gs>
+              <a:gs pos="100000">
+                <a:schemeClr val="hlink"/>
+              </a:gs>
+            </a:gsLst>
+            <a:lin ang="2700000" scaled="1"/>
+          </a:gradFill>
+          <a:ln w="9525">
+            <a:solidFill>
+              <a:schemeClr val="tx1"/>
+            </a:solidFill>
+            <a:round/>
+            <a:headEnd/>
+            <a:tailEnd/>
+          </a:ln>
+          <a:effectLst>
+            <a:outerShdw dist="35921" dir="2700000" algn="ctr" rotWithShape="0">
+              <a:schemeClr val="bg2"/>
+            </a:outerShdw>
+          </a:effectLst>
+        </p:spPr>
+        <p:txBody>
+          <a:bodyPr wrap="none" anchor="ctr"/>
+          <a:lstStyle>
+            <a:lvl1pPr>
+              <a:spcBef>
+                <a:spcPct val="20000"/>
+              </a:spcBef>
+              <a:buChar char="•"/>
+              <a:defRPr sz="3000">
+                <a:solidFill>
+                  <a:schemeClr val="tx1"/>
+                </a:solidFill>
+                <a:latin typeface="Arial" panose="020B0604020202020204" pitchFamily="34" charset="0"/>
+              </a:defRPr>
+            </a:lvl1pPr>
+            <a:lvl2pPr marL="742950" indent="-285750">
+              <a:spcBef>
+                <a:spcPct val="20000"/>
+              </a:spcBef>
+              <a:buFont typeface="Wingdings" panose="05000000000000000000" pitchFamily="2" charset="2"/>
+              <a:buChar char="§"/>
+              <a:defRPr sz="2600">
+                <a:solidFill>
+                  <a:schemeClr val="tx1"/>
+                </a:solidFill>
+                <a:latin typeface="Arial" panose="020B0604020202020204" pitchFamily="34" charset="0"/>
+              </a:defRPr>
+            </a:lvl2pPr>
+            <a:lvl3pPr marL="1143000" indent="-228600">
+              <a:spcBef>
+                <a:spcPct val="20000"/>
+              </a:spcBef>
+              <a:buChar char="•"/>
+              <a:defRPr sz="2400">
+                <a:solidFill>
+                  <a:schemeClr val="tx1"/>
+                </a:solidFill>
+                <a:latin typeface="Arial" panose="020B0604020202020204" pitchFamily="34" charset="0"/>
+              </a:defRPr>
+            </a:lvl3pPr>
+            <a:lvl4pPr marL="1600200" indent="-228600">
+              <a:spcBef>
+                <a:spcPct val="20000"/>
+              </a:spcBef>
+              <a:buChar char="–"/>
+              <a:defRPr sz="2400">
+                <a:solidFill>
+                  <a:schemeClr val="tx1"/>
+                </a:solidFill>
+                <a:latin typeface="Arial" panose="020B0604020202020204" pitchFamily="34" charset="0"/>
+              </a:defRPr>
+            </a:lvl4pPr>
+            <a:lvl5pPr marL="2057400" indent="-228600">
+              <a:spcBef>
+                <a:spcPct val="20000"/>
+              </a:spcBef>
+              <a:buChar char="»"/>
+              <a:defRPr sz="2000">
+                <a:solidFill>
+                  <a:schemeClr val="tx1"/>
+                </a:solidFill>
+                <a:latin typeface="Arial" panose="020B0604020202020204" pitchFamily="34" charset="0"/>
+              </a:defRPr>
+            </a:lvl5pPr>
+            <a:lvl6pPr marL="2514600" indent="-228600" eaLnBrk="0" fontAlgn="base" hangingPunct="0">
+              <a:spcBef>
+                <a:spcPct val="20000"/>
+              </a:spcBef>
+              <a:spcAft>
+                <a:spcPct val="0"/>
+              </a:spcAft>
+              <a:buChar char="»"/>
+              <a:defRPr sz="2000">
+                <a:solidFill>
+                  <a:schemeClr val="tx1"/>
+                </a:solidFill>
+                <a:latin typeface="Arial" panose="020B0604020202020204" pitchFamily="34" charset="0"/>
+              </a:defRPr>
+            </a:lvl6pPr>
+            <a:lvl7pPr marL="2971800" indent="-228600" eaLnBrk="0" fontAlgn="base" hangingPunct="0">
+              <a:spcBef>
+                <a:spcPct val="20000"/>
+              </a:spcBef>
+              <a:spcAft>
+                <a:spcPct val="0"/>
+              </a:spcAft>
+              <a:buChar char="»"/>
+              <a:defRPr sz="2000">
+                <a:solidFill>
+                  <a:schemeClr val="tx1"/>
+                </a:solidFill>
+                <a:latin typeface="Arial" panose="020B0604020202020204" pitchFamily="34" charset="0"/>
+              </a:defRPr>
+            </a:lvl7pPr>
+            <a:lvl8pPr marL="3429000" indent="-228600" eaLnBrk="0" fontAlgn="base" hangingPunct="0">
+              <a:spcBef>
+                <a:spcPct val="20000"/>
+              </a:spcBef>
+              <a:spcAft>
+                <a:spcPct val="0"/>
+              </a:spcAft>
+              <a:buChar char="»"/>
+              <a:defRPr sz="2000">
+                <a:solidFill>
+                  <a:schemeClr val="tx1"/>
+                </a:solidFill>
+                <a:latin typeface="Arial" panose="020B0604020202020204" pitchFamily="34" charset="0"/>
+              </a:defRPr>
+            </a:lvl8pPr>
+            <a:lvl9pPr marL="3886200" indent="-228600" eaLnBrk="0" fontAlgn="base" hangingPunct="0">
+              <a:spcBef>
+                <a:spcPct val="20000"/>
+              </a:spcBef>
+              <a:spcAft>
+                <a:spcPct val="0"/>
+              </a:spcAft>
+              <a:buChar char="»"/>
+              <a:defRPr sz="2000">
+                <a:solidFill>
+                  <a:schemeClr val="tx1"/>
+                </a:solidFill>
+                <a:latin typeface="Arial" panose="020B0604020202020204" pitchFamily="34" charset="0"/>
+              </a:defRPr>
+            </a:lvl9pPr>
+          </a:lstStyle>
+          <a:p>
+            <a:pPr algn="ctr" eaLnBrk="1" hangingPunct="1">
+              <a:spcBef>
+                <a:spcPct val="0"/>
+              </a:spcBef>
+              <a:buFontTx/>
+              <a:buNone/>
+            </a:pPr>
+            <a:r>
+              <a:rPr lang="en-US" altLang="de-DE" sz="1800"/>
+              <a:t>Time</a:t>
+            </a:r>
+          </a:p>
+          <a:p>
+            <a:pPr algn="ctr" eaLnBrk="1" hangingPunct="1">
+              <a:spcBef>
+                <a:spcPct val="0"/>
+              </a:spcBef>
+              <a:buFontTx/>
+              <a:buNone/>
+            </a:pPr>
+            <a:r>
+              <a:rPr lang="en-US" altLang="de-DE" sz="1800"/>
+              <a:t>Provider</a:t>
+            </a:r>
+          </a:p>
+        </p:txBody>
+      </p:sp>
+      <p:sp>
+        <p:nvSpPr>
+          <p:cNvPr id="6" name="Oval 6"/>
+          <p:cNvSpPr>
+            <a:spLocks noChangeArrowheads="1"/>
+          </p:cNvSpPr>
+          <p:nvPr/>
+        </p:nvSpPr>
+        <p:spPr bwMode="auto">
+          <a:xfrm>
+            <a:off x="6227763" y="4365625"/>
+            <a:ext cx="1008062" cy="1008063"/>
+          </a:xfrm>
+          <a:prstGeom prst="ellipse">
+            <a:avLst/>
+          </a:prstGeom>
+          <a:gradFill rotWithShape="1">
+            <a:gsLst>
+              <a:gs pos="0">
+                <a:srgbClr val="EAEAEA"/>
+              </a:gs>
+              <a:gs pos="100000">
+                <a:schemeClr val="hlink"/>
+              </a:gs>
+            </a:gsLst>
+            <a:lin ang="2700000" scaled="1"/>
+          </a:gradFill>
+          <a:ln w="9525">
+            <a:solidFill>
+              <a:schemeClr val="tx1"/>
+            </a:solidFill>
+            <a:round/>
+            <a:headEnd/>
+            <a:tailEnd/>
+          </a:ln>
+          <a:effectLst>
+            <a:outerShdw dist="35921" dir="2700000" algn="ctr" rotWithShape="0">
+              <a:schemeClr val="bg2"/>
+            </a:outerShdw>
+          </a:effectLst>
+        </p:spPr>
+        <p:txBody>
+          <a:bodyPr wrap="none" anchor="ctr"/>
+          <a:lstStyle>
+            <a:lvl1pPr>
+              <a:spcBef>
+                <a:spcPct val="20000"/>
+              </a:spcBef>
+              <a:buChar char="•"/>
+              <a:defRPr sz="3000">
+                <a:solidFill>
+                  <a:schemeClr val="tx1"/>
+                </a:solidFill>
+                <a:latin typeface="Arial" panose="020B0604020202020204" pitchFamily="34" charset="0"/>
+              </a:defRPr>
+            </a:lvl1pPr>
+            <a:lvl2pPr marL="742950" indent="-285750">
+              <a:spcBef>
+                <a:spcPct val="20000"/>
+              </a:spcBef>
+              <a:buFont typeface="Wingdings" panose="05000000000000000000" pitchFamily="2" charset="2"/>
+              <a:buChar char="§"/>
+              <a:defRPr sz="2600">
+                <a:solidFill>
+                  <a:schemeClr val="tx1"/>
+                </a:solidFill>
+                <a:latin typeface="Arial" panose="020B0604020202020204" pitchFamily="34" charset="0"/>
+              </a:defRPr>
+            </a:lvl2pPr>
+            <a:lvl3pPr marL="1143000" indent="-228600">
+              <a:spcBef>
+                <a:spcPct val="20000"/>
+              </a:spcBef>
+              <a:buChar char="•"/>
+              <a:defRPr sz="2400">
+                <a:solidFill>
+                  <a:schemeClr val="tx1"/>
+                </a:solidFill>
+                <a:latin typeface="Arial" panose="020B0604020202020204" pitchFamily="34" charset="0"/>
+              </a:defRPr>
+            </a:lvl3pPr>
+            <a:lvl4pPr marL="1600200" indent="-228600">
+              <a:spcBef>
+                <a:spcPct val="20000"/>
+              </a:spcBef>
+              <a:buChar char="–"/>
+              <a:defRPr sz="2400">
+                <a:solidFill>
+                  <a:schemeClr val="tx1"/>
+                </a:solidFill>
+                <a:latin typeface="Arial" panose="020B0604020202020204" pitchFamily="34" charset="0"/>
+              </a:defRPr>
+            </a:lvl4pPr>
+            <a:lvl5pPr marL="2057400" indent="-228600">
+              <a:spcBef>
+                <a:spcPct val="20000"/>
+              </a:spcBef>
+              <a:buChar char="»"/>
+              <a:defRPr sz="2000">
+                <a:solidFill>
+                  <a:schemeClr val="tx1"/>
+                </a:solidFill>
+                <a:latin typeface="Arial" panose="020B0604020202020204" pitchFamily="34" charset="0"/>
+              </a:defRPr>
+            </a:lvl5pPr>
+            <a:lvl6pPr marL="2514600" indent="-228600" eaLnBrk="0" fontAlgn="base" hangingPunct="0">
+              <a:spcBef>
+                <a:spcPct val="20000"/>
+              </a:spcBef>
+              <a:spcAft>
+                <a:spcPct val="0"/>
+              </a:spcAft>
+              <a:buChar char="»"/>
+              <a:defRPr sz="2000">
+                <a:solidFill>
+                  <a:schemeClr val="tx1"/>
+                </a:solidFill>
+                <a:latin typeface="Arial" panose="020B0604020202020204" pitchFamily="34" charset="0"/>
+              </a:defRPr>
+            </a:lvl6pPr>
+            <a:lvl7pPr marL="2971800" indent="-228600" eaLnBrk="0" fontAlgn="base" hangingPunct="0">
+              <a:spcBef>
+                <a:spcPct val="20000"/>
+              </a:spcBef>
+              <a:spcAft>
+                <a:spcPct val="0"/>
+              </a:spcAft>
+              <a:buChar char="»"/>
+              <a:defRPr sz="2000">
+                <a:solidFill>
+                  <a:schemeClr val="tx1"/>
+                </a:solidFill>
+                <a:latin typeface="Arial" panose="020B0604020202020204" pitchFamily="34" charset="0"/>
+              </a:defRPr>
+            </a:lvl7pPr>
+            <a:lvl8pPr marL="3429000" indent="-228600" eaLnBrk="0" fontAlgn="base" hangingPunct="0">
+              <a:spcBef>
+                <a:spcPct val="20000"/>
+              </a:spcBef>
+              <a:spcAft>
+                <a:spcPct val="0"/>
+              </a:spcAft>
+              <a:buChar char="»"/>
+              <a:defRPr sz="2000">
+                <a:solidFill>
+                  <a:schemeClr val="tx1"/>
+                </a:solidFill>
+                <a:latin typeface="Arial" panose="020B0604020202020204" pitchFamily="34" charset="0"/>
+              </a:defRPr>
+            </a:lvl8pPr>
+            <a:lvl9pPr marL="3886200" indent="-228600" eaLnBrk="0" fontAlgn="base" hangingPunct="0">
+              <a:spcBef>
+                <a:spcPct val="20000"/>
+              </a:spcBef>
+              <a:spcAft>
+                <a:spcPct val="0"/>
+              </a:spcAft>
+              <a:buChar char="»"/>
+              <a:defRPr sz="2000">
+                <a:solidFill>
+                  <a:schemeClr val="tx1"/>
+                </a:solidFill>
+                <a:latin typeface="Arial" panose="020B0604020202020204" pitchFamily="34" charset="0"/>
+              </a:defRPr>
+            </a:lvl9pPr>
+          </a:lstStyle>
+          <a:p>
+            <a:pPr algn="ctr" eaLnBrk="1" hangingPunct="1">
+              <a:spcBef>
+                <a:spcPct val="0"/>
+              </a:spcBef>
+              <a:buFontTx/>
+              <a:buNone/>
+            </a:pPr>
+            <a:r>
+              <a:rPr lang="en-US" altLang="de-DE" sz="1800"/>
+              <a:t>Time</a:t>
+            </a:r>
+          </a:p>
+          <a:p>
+            <a:pPr algn="ctr" eaLnBrk="1" hangingPunct="1">
+              <a:spcBef>
+                <a:spcPct val="0"/>
+              </a:spcBef>
+              <a:buFontTx/>
+              <a:buNone/>
+            </a:pPr>
+            <a:r>
+              <a:rPr lang="en-US" altLang="de-DE" sz="1800"/>
+              <a:t>Provider</a:t>
+            </a:r>
+          </a:p>
+        </p:txBody>
+      </p:sp>
+      <p:sp>
+        <p:nvSpPr>
+          <p:cNvPr id="7" name="Oval 7"/>
+          <p:cNvSpPr>
+            <a:spLocks noChangeArrowheads="1"/>
+          </p:cNvSpPr>
+          <p:nvPr/>
+        </p:nvSpPr>
+        <p:spPr bwMode="auto">
+          <a:xfrm>
+            <a:off x="1835150" y="1916113"/>
+            <a:ext cx="1008063" cy="1008062"/>
+          </a:xfrm>
+          <a:prstGeom prst="ellipse">
+            <a:avLst/>
+          </a:prstGeom>
+          <a:gradFill rotWithShape="1">
+            <a:gsLst>
+              <a:gs pos="0">
+                <a:srgbClr val="EAEAEA"/>
+              </a:gs>
+              <a:gs pos="100000">
+                <a:schemeClr val="hlink"/>
+              </a:gs>
+            </a:gsLst>
+            <a:lin ang="2700000" scaled="1"/>
+          </a:gradFill>
+          <a:ln w="9525">
+            <a:solidFill>
+              <a:schemeClr val="tx1"/>
+            </a:solidFill>
+            <a:round/>
+            <a:headEnd/>
+            <a:tailEnd/>
+          </a:ln>
+          <a:effectLst>
+            <a:outerShdw dist="35921" dir="2700000" algn="ctr" rotWithShape="0">
+              <a:schemeClr val="bg2"/>
+            </a:outerShdw>
+          </a:effectLst>
+        </p:spPr>
+        <p:txBody>
+          <a:bodyPr wrap="none" anchor="ctr"/>
+          <a:lstStyle>
+            <a:lvl1pPr>
+              <a:spcBef>
+                <a:spcPct val="20000"/>
+              </a:spcBef>
+              <a:buChar char="•"/>
+              <a:defRPr sz="3000">
+                <a:solidFill>
+                  <a:schemeClr val="tx1"/>
+                </a:solidFill>
+                <a:latin typeface="Arial" panose="020B0604020202020204" pitchFamily="34" charset="0"/>
+              </a:defRPr>
+            </a:lvl1pPr>
+            <a:lvl2pPr marL="742950" indent="-285750">
+              <a:spcBef>
+                <a:spcPct val="20000"/>
+              </a:spcBef>
+              <a:buFont typeface="Wingdings" panose="05000000000000000000" pitchFamily="2" charset="2"/>
+              <a:buChar char="§"/>
+              <a:defRPr sz="2600">
+                <a:solidFill>
+                  <a:schemeClr val="tx1"/>
+                </a:solidFill>
+                <a:latin typeface="Arial" panose="020B0604020202020204" pitchFamily="34" charset="0"/>
+              </a:defRPr>
+            </a:lvl2pPr>
+            <a:lvl3pPr marL="1143000" indent="-228600">
+              <a:spcBef>
+                <a:spcPct val="20000"/>
+              </a:spcBef>
+              <a:buChar char="•"/>
+              <a:defRPr sz="2400">
+                <a:solidFill>
+                  <a:schemeClr val="tx1"/>
+                </a:solidFill>
+                <a:latin typeface="Arial" panose="020B0604020202020204" pitchFamily="34" charset="0"/>
+              </a:defRPr>
+            </a:lvl3pPr>
+            <a:lvl4pPr marL="1600200" indent="-228600">
+              <a:spcBef>
+                <a:spcPct val="20000"/>
+              </a:spcBef>
+              <a:buChar char="–"/>
+              <a:defRPr sz="2400">
+                <a:solidFill>
+                  <a:schemeClr val="tx1"/>
+                </a:solidFill>
+                <a:latin typeface="Arial" panose="020B0604020202020204" pitchFamily="34" charset="0"/>
+              </a:defRPr>
+            </a:lvl4pPr>
+            <a:lvl5pPr marL="2057400" indent="-228600">
+              <a:spcBef>
+                <a:spcPct val="20000"/>
+              </a:spcBef>
+              <a:buChar char="»"/>
+              <a:defRPr sz="2000">
+                <a:solidFill>
+                  <a:schemeClr val="tx1"/>
+                </a:solidFill>
+                <a:latin typeface="Arial" panose="020B0604020202020204" pitchFamily="34" charset="0"/>
+              </a:defRPr>
+            </a:lvl5pPr>
+            <a:lvl6pPr marL="2514600" indent="-228600" eaLnBrk="0" fontAlgn="base" hangingPunct="0">
+              <a:spcBef>
+                <a:spcPct val="20000"/>
+              </a:spcBef>
+              <a:spcAft>
+                <a:spcPct val="0"/>
+              </a:spcAft>
+              <a:buChar char="»"/>
+              <a:defRPr sz="2000">
+                <a:solidFill>
+                  <a:schemeClr val="tx1"/>
+                </a:solidFill>
+                <a:latin typeface="Arial" panose="020B0604020202020204" pitchFamily="34" charset="0"/>
+              </a:defRPr>
+            </a:lvl6pPr>
+            <a:lvl7pPr marL="2971800" indent="-228600" eaLnBrk="0" fontAlgn="base" hangingPunct="0">
+              <a:spcBef>
+                <a:spcPct val="20000"/>
+              </a:spcBef>
+              <a:spcAft>
+                <a:spcPct val="0"/>
+              </a:spcAft>
+              <a:buChar char="»"/>
+              <a:defRPr sz="2000">
+                <a:solidFill>
+                  <a:schemeClr val="tx1"/>
+                </a:solidFill>
+                <a:latin typeface="Arial" panose="020B0604020202020204" pitchFamily="34" charset="0"/>
+              </a:defRPr>
+            </a:lvl7pPr>
+            <a:lvl8pPr marL="3429000" indent="-228600" eaLnBrk="0" fontAlgn="base" hangingPunct="0">
+              <a:spcBef>
+                <a:spcPct val="20000"/>
+              </a:spcBef>
+              <a:spcAft>
+                <a:spcPct val="0"/>
+              </a:spcAft>
+              <a:buChar char="»"/>
+              <a:defRPr sz="2000">
+                <a:solidFill>
+                  <a:schemeClr val="tx1"/>
+                </a:solidFill>
+                <a:latin typeface="Arial" panose="020B0604020202020204" pitchFamily="34" charset="0"/>
+              </a:defRPr>
+            </a:lvl8pPr>
+            <a:lvl9pPr marL="3886200" indent="-228600" eaLnBrk="0" fontAlgn="base" hangingPunct="0">
+              <a:spcBef>
+                <a:spcPct val="20000"/>
+              </a:spcBef>
+              <a:spcAft>
+                <a:spcPct val="0"/>
+              </a:spcAft>
+              <a:buChar char="»"/>
+              <a:defRPr sz="2000">
+                <a:solidFill>
+                  <a:schemeClr val="tx1"/>
+                </a:solidFill>
+                <a:latin typeface="Arial" panose="020B0604020202020204" pitchFamily="34" charset="0"/>
+              </a:defRPr>
+            </a:lvl9pPr>
+          </a:lstStyle>
+          <a:p>
+            <a:pPr algn="ctr" eaLnBrk="1" hangingPunct="1">
+              <a:spcBef>
+                <a:spcPct val="0"/>
+              </a:spcBef>
+              <a:buFontTx/>
+              <a:buNone/>
+            </a:pPr>
+            <a:r>
+              <a:rPr lang="en-US" altLang="de-DE" sz="1800"/>
+              <a:t>Time</a:t>
+            </a:r>
+          </a:p>
+          <a:p>
+            <a:pPr algn="ctr" eaLnBrk="1" hangingPunct="1">
+              <a:spcBef>
+                <a:spcPct val="0"/>
+              </a:spcBef>
+              <a:buFontTx/>
+              <a:buNone/>
+            </a:pPr>
+            <a:r>
+              <a:rPr lang="en-US" altLang="de-DE" sz="1800"/>
+              <a:t>User</a:t>
+            </a:r>
+          </a:p>
+        </p:txBody>
+      </p:sp>
+      <p:sp>
+        <p:nvSpPr>
+          <p:cNvPr id="8" name="Cloud"/>
+          <p:cNvSpPr>
+            <a:spLocks noChangeAspect="1" noEditPoints="1" noChangeArrowheads="1"/>
+          </p:cNvSpPr>
+          <p:nvPr/>
+        </p:nvSpPr>
+        <p:spPr bwMode="auto">
+          <a:xfrm>
+            <a:off x="3203575" y="2492375"/>
+            <a:ext cx="2743200" cy="1838325"/>
+          </a:xfrm>
+          <a:custGeom>
+            <a:avLst/>
+            <a:gdLst>
+              <a:gd name="T0" fmla="*/ 2147483646 w 21600"/>
+              <a:gd name="T1" fmla="*/ 2147483646 h 21600"/>
+              <a:gd name="T2" fmla="*/ 2147483646 w 21600"/>
+              <a:gd name="T3" fmla="*/ 2147483646 h 21600"/>
+              <a:gd name="T4" fmla="*/ 2147483646 w 21600"/>
+              <a:gd name="T5" fmla="*/ 2147483646 h 21600"/>
+              <a:gd name="T6" fmla="*/ 2147483646 w 21600"/>
+              <a:gd name="T7" fmla="*/ 2147483646 h 21600"/>
+              <a:gd name="T8" fmla="*/ 0 60000 65536"/>
+              <a:gd name="T9" fmla="*/ 0 60000 65536"/>
+              <a:gd name="T10" fmla="*/ 0 60000 65536"/>
+              <a:gd name="T11" fmla="*/ 0 60000 65536"/>
+              <a:gd name="T12" fmla="*/ 2977 w 21600"/>
+              <a:gd name="T13" fmla="*/ 3262 h 21600"/>
+              <a:gd name="T14" fmla="*/ 17087 w 21600"/>
+              <a:gd name="T15" fmla="*/ 17337 h 21600"/>
+            </a:gdLst>
+            <a:ahLst/>
+            <a:cxnLst>
+              <a:cxn ang="T8">
+                <a:pos x="T0" y="T1"/>
+              </a:cxn>
+              <a:cxn ang="T9">
+                <a:pos x="T2" y="T3"/>
+              </a:cxn>
+              <a:cxn ang="T10">
+                <a:pos x="T4" y="T5"/>
+              </a:cxn>
+              <a:cxn ang="T11">
+                <a:pos x="T6" y="T7"/>
+              </a:cxn>
+            </a:cxnLst>
+            <a:rect l="T12" t="T13" r="T14" b="T15"/>
+            <a:pathLst>
+              <a:path w="21600" h="21600" extrusionOk="0">
+                <a:moveTo>
+                  <a:pt x="1949" y="7180"/>
+                </a:moveTo>
+                <a:cubicBezTo>
+                  <a:pt x="841" y="7336"/>
+                  <a:pt x="0" y="8613"/>
+                  <a:pt x="0" y="10137"/>
+                </a:cubicBezTo>
+                <a:cubicBezTo>
+                  <a:pt x="-1" y="11192"/>
+                  <a:pt x="409" y="12169"/>
+                  <a:pt x="1074" y="12702"/>
+                </a:cubicBezTo>
+                <a:lnTo>
+                  <a:pt x="1063" y="12668"/>
+                </a:lnTo>
+                <a:cubicBezTo>
+                  <a:pt x="685" y="13217"/>
+                  <a:pt x="475" y="13940"/>
+                  <a:pt x="475" y="14690"/>
+                </a:cubicBezTo>
+                <a:cubicBezTo>
+                  <a:pt x="475" y="16325"/>
+                  <a:pt x="1451" y="17650"/>
+                  <a:pt x="2655" y="17650"/>
+                </a:cubicBezTo>
+                <a:cubicBezTo>
+                  <a:pt x="2739" y="17650"/>
+                  <a:pt x="2824" y="17643"/>
+                  <a:pt x="2909" y="17629"/>
+                </a:cubicBezTo>
+                <a:lnTo>
+                  <a:pt x="2897" y="17649"/>
+                </a:lnTo>
+                <a:cubicBezTo>
+                  <a:pt x="3585" y="19288"/>
+                  <a:pt x="4863" y="20300"/>
+                  <a:pt x="6247" y="20300"/>
+                </a:cubicBezTo>
+                <a:cubicBezTo>
+                  <a:pt x="6947" y="20299"/>
+                  <a:pt x="7635" y="20039"/>
+                  <a:pt x="8235" y="19546"/>
+                </a:cubicBezTo>
+                <a:lnTo>
+                  <a:pt x="8229" y="19550"/>
+                </a:lnTo>
+                <a:cubicBezTo>
+                  <a:pt x="8855" y="20829"/>
+                  <a:pt x="9908" y="21597"/>
+                  <a:pt x="11036" y="21597"/>
+                </a:cubicBezTo>
+                <a:cubicBezTo>
+                  <a:pt x="12523" y="21596"/>
+                  <a:pt x="13836" y="20267"/>
+                  <a:pt x="14267" y="18324"/>
+                </a:cubicBezTo>
+                <a:lnTo>
+                  <a:pt x="14270" y="18350"/>
+                </a:lnTo>
+                <a:cubicBezTo>
+                  <a:pt x="14730" y="18740"/>
+                  <a:pt x="15260" y="18947"/>
+                  <a:pt x="15802" y="18947"/>
+                </a:cubicBezTo>
+                <a:cubicBezTo>
+                  <a:pt x="17390" y="18946"/>
+                  <a:pt x="18682" y="17205"/>
+                  <a:pt x="18694" y="15045"/>
+                </a:cubicBezTo>
+                <a:lnTo>
+                  <a:pt x="18689" y="15035"/>
+                </a:lnTo>
+                <a:cubicBezTo>
+                  <a:pt x="20357" y="14710"/>
+                  <a:pt x="21597" y="12765"/>
+                  <a:pt x="21597" y="10472"/>
+                </a:cubicBezTo>
+                <a:cubicBezTo>
+                  <a:pt x="21597" y="9456"/>
+                  <a:pt x="21350" y="8469"/>
+                  <a:pt x="20896" y="7663"/>
+                </a:cubicBezTo>
+                <a:lnTo>
+                  <a:pt x="20889" y="7661"/>
+                </a:lnTo>
+                <a:cubicBezTo>
+                  <a:pt x="21031" y="7208"/>
+                  <a:pt x="21105" y="6721"/>
+                  <a:pt x="21105" y="6228"/>
+                </a:cubicBezTo>
+                <a:cubicBezTo>
+                  <a:pt x="21105" y="4588"/>
+                  <a:pt x="20299" y="3150"/>
+                  <a:pt x="19139" y="2719"/>
+                </a:cubicBezTo>
+                <a:lnTo>
+                  <a:pt x="19148" y="2712"/>
+                </a:lnTo>
+                <a:cubicBezTo>
+                  <a:pt x="18940" y="1142"/>
+                  <a:pt x="17933" y="0"/>
+                  <a:pt x="16758" y="0"/>
+                </a:cubicBezTo>
+                <a:cubicBezTo>
+                  <a:pt x="16044" y="-1"/>
+                  <a:pt x="15367" y="426"/>
+                  <a:pt x="14905" y="1165"/>
+                </a:cubicBezTo>
+                <a:lnTo>
+                  <a:pt x="14909" y="1170"/>
+                </a:lnTo>
+                <a:cubicBezTo>
+                  <a:pt x="14497" y="432"/>
+                  <a:pt x="13855" y="0"/>
+                  <a:pt x="13174" y="0"/>
+                </a:cubicBezTo>
+                <a:cubicBezTo>
+                  <a:pt x="12347" y="-1"/>
+                  <a:pt x="11590" y="637"/>
+                  <a:pt x="11221" y="1645"/>
+                </a:cubicBezTo>
+                <a:lnTo>
+                  <a:pt x="11229" y="1694"/>
+                </a:lnTo>
+                <a:cubicBezTo>
+                  <a:pt x="10730" y="1024"/>
+                  <a:pt x="10058" y="650"/>
+                  <a:pt x="9358" y="650"/>
+                </a:cubicBezTo>
+                <a:cubicBezTo>
+                  <a:pt x="8372" y="649"/>
+                  <a:pt x="7466" y="1391"/>
+                  <a:pt x="7003" y="2578"/>
+                </a:cubicBezTo>
+                <a:lnTo>
+                  <a:pt x="6995" y="2602"/>
+                </a:lnTo>
+                <a:cubicBezTo>
+                  <a:pt x="6477" y="2189"/>
+                  <a:pt x="5888" y="1972"/>
+                  <a:pt x="5288" y="1972"/>
+                </a:cubicBezTo>
+                <a:cubicBezTo>
+                  <a:pt x="3423" y="1972"/>
+                  <a:pt x="1912" y="4029"/>
+                  <a:pt x="1912" y="6567"/>
+                </a:cubicBezTo>
+                <a:cubicBezTo>
+                  <a:pt x="1911" y="6774"/>
+                  <a:pt x="1922" y="6981"/>
+                  <a:pt x="1942" y="7186"/>
+                </a:cubicBezTo>
+                <a:lnTo>
+                  <a:pt x="1949" y="7180"/>
+                </a:lnTo>
+                <a:close/>
+              </a:path>
+              <a:path w="21600" h="21600" fill="none" extrusionOk="0">
+                <a:moveTo>
+                  <a:pt x="1074" y="12702"/>
+                </a:moveTo>
+                <a:cubicBezTo>
+                  <a:pt x="1407" y="12969"/>
+                  <a:pt x="1786" y="13110"/>
+                  <a:pt x="2172" y="13110"/>
+                </a:cubicBezTo>
+                <a:cubicBezTo>
+                  <a:pt x="2228" y="13109"/>
+                  <a:pt x="2285" y="13107"/>
+                  <a:pt x="2341" y="13101"/>
+                </a:cubicBezTo>
+              </a:path>
+              <a:path w="21600" h="21600" fill="none" extrusionOk="0">
+                <a:moveTo>
+                  <a:pt x="2909" y="17629"/>
+                </a:moveTo>
+                <a:cubicBezTo>
+                  <a:pt x="3099" y="17599"/>
+                  <a:pt x="3285" y="17535"/>
+                  <a:pt x="3463" y="17439"/>
+                </a:cubicBezTo>
+              </a:path>
+              <a:path w="21600" h="21600" fill="none" extrusionOk="0">
+                <a:moveTo>
+                  <a:pt x="7895" y="18680"/>
+                </a:moveTo>
+                <a:cubicBezTo>
+                  <a:pt x="7983" y="18985"/>
+                  <a:pt x="8095" y="19277"/>
+                  <a:pt x="8229" y="19550"/>
+                </a:cubicBezTo>
+              </a:path>
+              <a:path w="21600" h="21600" fill="none" extrusionOk="0">
+                <a:moveTo>
+                  <a:pt x="14267" y="18324"/>
+                </a:moveTo>
+                <a:cubicBezTo>
+                  <a:pt x="14336" y="18013"/>
+                  <a:pt x="14380" y="17693"/>
+                  <a:pt x="14400" y="17370"/>
+                </a:cubicBezTo>
+              </a:path>
+              <a:path w="21600" h="21600" fill="none" extrusionOk="0">
+                <a:moveTo>
+                  <a:pt x="18694" y="15045"/>
+                </a:moveTo>
+                <a:cubicBezTo>
+                  <a:pt x="18694" y="15034"/>
+                  <a:pt x="18695" y="15024"/>
+                  <a:pt x="18695" y="15013"/>
+                </a:cubicBezTo>
+                <a:cubicBezTo>
+                  <a:pt x="18695" y="13508"/>
+                  <a:pt x="18063" y="12136"/>
+                  <a:pt x="17069" y="11477"/>
+                </a:cubicBezTo>
+              </a:path>
+              <a:path w="21600" h="21600" fill="none" extrusionOk="0">
+                <a:moveTo>
+                  <a:pt x="20165" y="8999"/>
+                </a:moveTo>
+                <a:cubicBezTo>
+                  <a:pt x="20479" y="8635"/>
+                  <a:pt x="20726" y="8177"/>
+                  <a:pt x="20889" y="7661"/>
+                </a:cubicBezTo>
+              </a:path>
+              <a:path w="21600" h="21600" fill="none" extrusionOk="0">
+                <a:moveTo>
+                  <a:pt x="19186" y="3344"/>
+                </a:moveTo>
+                <a:cubicBezTo>
+                  <a:pt x="19186" y="3328"/>
+                  <a:pt x="19187" y="3313"/>
+                  <a:pt x="19187" y="3297"/>
+                </a:cubicBezTo>
+                <a:cubicBezTo>
+                  <a:pt x="19187" y="3101"/>
+                  <a:pt x="19174" y="2905"/>
+                  <a:pt x="19148" y="2712"/>
+                </a:cubicBezTo>
+              </a:path>
+              <a:path w="21600" h="21600" fill="none" extrusionOk="0">
+                <a:moveTo>
+                  <a:pt x="14905" y="1165"/>
+                </a:moveTo>
+                <a:cubicBezTo>
+                  <a:pt x="14754" y="1408"/>
+                  <a:pt x="14629" y="1679"/>
+                  <a:pt x="14535" y="1971"/>
+                </a:cubicBezTo>
+              </a:path>
+              <a:path w="21600" h="21600" fill="none" extrusionOk="0">
+                <a:moveTo>
+                  <a:pt x="11221" y="1645"/>
+                </a:moveTo>
+                <a:cubicBezTo>
+                  <a:pt x="11140" y="1866"/>
+                  <a:pt x="11080" y="2099"/>
+                  <a:pt x="11041" y="2340"/>
+                </a:cubicBezTo>
+              </a:path>
+              <a:path w="21600" h="21600" fill="none" extrusionOk="0">
+                <a:moveTo>
+                  <a:pt x="7645" y="3276"/>
+                </a:moveTo>
+                <a:cubicBezTo>
+                  <a:pt x="7449" y="3016"/>
+                  <a:pt x="7231" y="2790"/>
+                  <a:pt x="6995" y="2602"/>
+                </a:cubicBezTo>
+              </a:path>
+              <a:path w="21600" h="21600" fill="none" extrusionOk="0">
+                <a:moveTo>
+                  <a:pt x="1942" y="7186"/>
+                </a:moveTo>
+                <a:cubicBezTo>
+                  <a:pt x="1966" y="7426"/>
+                  <a:pt x="2004" y="7663"/>
+                  <a:pt x="2056" y="7895"/>
+                </a:cubicBezTo>
+              </a:path>
+            </a:pathLst>
+          </a:custGeom>
+          <a:gradFill rotWithShape="1">
+            <a:gsLst>
+              <a:gs pos="0">
+                <a:srgbClr val="EAEAEA"/>
+              </a:gs>
+              <a:gs pos="100000">
+                <a:srgbClr val="FFBE7D"/>
+              </a:gs>
+            </a:gsLst>
+            <a:lin ang="2700000" scaled="1"/>
+          </a:gradFill>
+          <a:ln w="9525">
+            <a:solidFill>
+              <a:srgbClr val="000000"/>
+            </a:solidFill>
+            <a:miter lim="800000"/>
+            <a:headEnd/>
+            <a:tailEnd/>
+          </a:ln>
+          <a:effectLst>
+            <a:outerShdw dist="35921" dir="2700000" algn="ctr" rotWithShape="0">
+              <a:srgbClr val="808080"/>
+            </a:outerShdw>
+          </a:effectLst>
+        </p:spPr>
+        <p:txBody>
+          <a:bodyPr/>
+          <a:lstStyle>
+            <a:lvl1pPr>
+              <a:spcBef>
+                <a:spcPct val="20000"/>
+              </a:spcBef>
+              <a:buChar char="•"/>
+              <a:defRPr sz="3000">
+                <a:solidFill>
+                  <a:schemeClr val="tx1"/>
+                </a:solidFill>
+                <a:latin typeface="Arial" panose="020B0604020202020204" pitchFamily="34" charset="0"/>
+              </a:defRPr>
+            </a:lvl1pPr>
+            <a:lvl2pPr marL="742950" indent="-285750">
+              <a:spcBef>
+                <a:spcPct val="20000"/>
+              </a:spcBef>
+              <a:buFont typeface="Wingdings" panose="05000000000000000000" pitchFamily="2" charset="2"/>
+              <a:buChar char="§"/>
+              <a:defRPr sz="2600">
+                <a:solidFill>
+                  <a:schemeClr val="tx1"/>
+                </a:solidFill>
+                <a:latin typeface="Arial" panose="020B0604020202020204" pitchFamily="34" charset="0"/>
+              </a:defRPr>
+            </a:lvl2pPr>
+            <a:lvl3pPr marL="1143000" indent="-228600">
+              <a:spcBef>
+                <a:spcPct val="20000"/>
+              </a:spcBef>
+              <a:buChar char="•"/>
+              <a:defRPr sz="2400">
+                <a:solidFill>
+                  <a:schemeClr val="tx1"/>
+                </a:solidFill>
+                <a:latin typeface="Arial" panose="020B0604020202020204" pitchFamily="34" charset="0"/>
+              </a:defRPr>
+            </a:lvl3pPr>
+            <a:lvl4pPr marL="1600200" indent="-228600">
+              <a:spcBef>
+                <a:spcPct val="20000"/>
+              </a:spcBef>
+              <a:buChar char="–"/>
+              <a:defRPr sz="2400">
+                <a:solidFill>
+                  <a:schemeClr val="tx1"/>
+                </a:solidFill>
+                <a:latin typeface="Arial" panose="020B0604020202020204" pitchFamily="34" charset="0"/>
+              </a:defRPr>
+            </a:lvl4pPr>
+            <a:lvl5pPr marL="2057400" indent="-228600">
+              <a:spcBef>
+                <a:spcPct val="20000"/>
+              </a:spcBef>
+              <a:buChar char="»"/>
+              <a:defRPr sz="2000">
+                <a:solidFill>
+                  <a:schemeClr val="tx1"/>
+                </a:solidFill>
+                <a:latin typeface="Arial" panose="020B0604020202020204" pitchFamily="34" charset="0"/>
+              </a:defRPr>
+            </a:lvl5pPr>
+            <a:lvl6pPr marL="2514600" indent="-228600" eaLnBrk="0" fontAlgn="base" hangingPunct="0">
+              <a:spcBef>
+                <a:spcPct val="20000"/>
+              </a:spcBef>
+              <a:spcAft>
+                <a:spcPct val="0"/>
+              </a:spcAft>
+              <a:buChar char="»"/>
+              <a:defRPr sz="2000">
+                <a:solidFill>
+                  <a:schemeClr val="tx1"/>
+                </a:solidFill>
+                <a:latin typeface="Arial" panose="020B0604020202020204" pitchFamily="34" charset="0"/>
+              </a:defRPr>
+            </a:lvl6pPr>
+            <a:lvl7pPr marL="2971800" indent="-228600" eaLnBrk="0" fontAlgn="base" hangingPunct="0">
+              <a:spcBef>
+                <a:spcPct val="20000"/>
+              </a:spcBef>
+              <a:spcAft>
+                <a:spcPct val="0"/>
+              </a:spcAft>
+              <a:buChar char="»"/>
+              <a:defRPr sz="2000">
+                <a:solidFill>
+                  <a:schemeClr val="tx1"/>
+                </a:solidFill>
+                <a:latin typeface="Arial" panose="020B0604020202020204" pitchFamily="34" charset="0"/>
+              </a:defRPr>
+            </a:lvl7pPr>
+            <a:lvl8pPr marL="3429000" indent="-228600" eaLnBrk="0" fontAlgn="base" hangingPunct="0">
+              <a:spcBef>
+                <a:spcPct val="20000"/>
+              </a:spcBef>
+              <a:spcAft>
+                <a:spcPct val="0"/>
+              </a:spcAft>
+              <a:buChar char="»"/>
+              <a:defRPr sz="2000">
+                <a:solidFill>
+                  <a:schemeClr val="tx1"/>
+                </a:solidFill>
+                <a:latin typeface="Arial" panose="020B0604020202020204" pitchFamily="34" charset="0"/>
+              </a:defRPr>
+            </a:lvl8pPr>
+            <a:lvl9pPr marL="3886200" indent="-228600" eaLnBrk="0" fontAlgn="base" hangingPunct="0">
+              <a:spcBef>
+                <a:spcPct val="20000"/>
+              </a:spcBef>
+              <a:spcAft>
+                <a:spcPct val="0"/>
+              </a:spcAft>
+              <a:buChar char="»"/>
+              <a:defRPr sz="2000">
+                <a:solidFill>
+                  <a:schemeClr val="tx1"/>
+                </a:solidFill>
+                <a:latin typeface="Arial" panose="020B0604020202020204" pitchFamily="34" charset="0"/>
+              </a:defRPr>
+            </a:lvl9pPr>
+          </a:lstStyle>
+          <a:p>
+            <a:pPr algn="ctr" eaLnBrk="1" hangingPunct="1">
+              <a:spcBef>
+                <a:spcPct val="0"/>
+              </a:spcBef>
+              <a:buFontTx/>
+              <a:buNone/>
+            </a:pPr>
+            <a:r>
+              <a:rPr lang="en-US" altLang="de-DE" sz="1800"/>
+              <a:t>Network</a:t>
+            </a:r>
+          </a:p>
+        </p:txBody>
+      </p:sp>
+      <p:cxnSp>
+        <p:nvCxnSpPr>
+          <p:cNvPr id="9" name="AutoShape 17"/>
+          <p:cNvCxnSpPr>
+            <a:cxnSpLocks noChangeShapeType="1"/>
+          </p:cNvCxnSpPr>
+          <p:nvPr/>
+        </p:nvCxnSpPr>
+        <p:spPr bwMode="auto">
+          <a:xfrm rot="5400000" flipV="1">
+            <a:off x="4539457" y="2669381"/>
+            <a:ext cx="1588" cy="3679825"/>
+          </a:xfrm>
+          <a:prstGeom prst="curvedConnector3">
+            <a:avLst>
+              <a:gd name="adj1" fmla="val -48000000"/>
+            </a:avLst>
+          </a:prstGeom>
+          <a:noFill/>
+          <a:ln w="9525">
+            <a:solidFill>
+              <a:schemeClr val="tx1"/>
+            </a:solidFill>
+            <a:prstDash val="dash"/>
+            <a:round/>
+            <a:headEnd/>
+            <a:tailEnd type="triangle" w="lg" len="lg"/>
+          </a:ln>
+          <a:effectLst/>
+          <a:extLst>
+            <a:ext uri="{909E8E84-426E-40DD-AFC4-6F175D3DCCD1}">
+              <a14:hiddenFill xmlns:a14="http://schemas.microsoft.com/office/drawing/2010/main">
+                <a:noFill/>
+              </a14:hiddenFill>
+            </a:ext>
+            <a:ext uri="{AF507438-7753-43E0-B8FC-AC1667EBCBE1}">
+              <a14:hiddenEffects xmlns:a14="http://schemas.microsoft.com/office/drawing/2010/main">
+                <a:effectLst>
+                  <a:outerShdw dist="35921" dir="2700000" algn="ctr" rotWithShape="0">
+                    <a:schemeClr val="bg2"/>
+                  </a:outerShdw>
+                </a:effectLst>
+              </a14:hiddenEffects>
+            </a:ext>
+          </a:extLst>
+        </p:spPr>
+      </p:cxnSp>
+      <p:cxnSp>
+        <p:nvCxnSpPr>
+          <p:cNvPr id="10" name="AutoShape 18"/>
+          <p:cNvCxnSpPr>
+            <a:cxnSpLocks noChangeShapeType="1"/>
+            <a:stCxn id="4" idx="0"/>
+            <a:endCxn id="5" idx="4"/>
+          </p:cNvCxnSpPr>
+          <p:nvPr/>
+        </p:nvCxnSpPr>
+        <p:spPr bwMode="auto">
+          <a:xfrm rot="16200000">
+            <a:off x="3671888" y="1160462"/>
+            <a:ext cx="1873250" cy="4537075"/>
+          </a:xfrm>
+          <a:prstGeom prst="curvedConnector3">
+            <a:avLst>
+              <a:gd name="adj1" fmla="val 50000"/>
+            </a:avLst>
+          </a:prstGeom>
+          <a:noFill/>
+          <a:ln w="9525">
+            <a:solidFill>
+              <a:schemeClr val="tx1"/>
+            </a:solidFill>
+            <a:prstDash val="dash"/>
+            <a:round/>
+            <a:headEnd/>
+            <a:tailEnd type="triangle" w="lg" len="lg"/>
+          </a:ln>
+          <a:effectLst/>
+          <a:extLst>
+            <a:ext uri="{909E8E84-426E-40DD-AFC4-6F175D3DCCD1}">
+              <a14:hiddenFill xmlns:a14="http://schemas.microsoft.com/office/drawing/2010/main">
+                <a:noFill/>
+              </a14:hiddenFill>
+            </a:ext>
+            <a:ext uri="{AF507438-7753-43E0-B8FC-AC1667EBCBE1}">
+              <a14:hiddenEffects xmlns:a14="http://schemas.microsoft.com/office/drawing/2010/main">
+                <a:effectLst>
+                  <a:outerShdw dist="35921" dir="2700000" algn="ctr" rotWithShape="0">
+                    <a:schemeClr val="bg2"/>
+                  </a:outerShdw>
+                </a:effectLst>
+              </a14:hiddenEffects>
+            </a:ext>
+          </a:extLst>
+        </p:spPr>
+      </p:cxnSp>
+      <p:cxnSp>
+        <p:nvCxnSpPr>
+          <p:cNvPr id="11" name="AutoShape 19"/>
+          <p:cNvCxnSpPr>
+            <a:cxnSpLocks noChangeShapeType="1"/>
+            <a:stCxn id="7" idx="5"/>
+            <a:endCxn id="5" idx="3"/>
+          </p:cNvCxnSpPr>
+          <p:nvPr/>
+        </p:nvCxnSpPr>
+        <p:spPr bwMode="auto">
+          <a:xfrm rot="5400000" flipH="1" flipV="1">
+            <a:off x="4391819" y="648494"/>
+            <a:ext cx="431800" cy="3824288"/>
+          </a:xfrm>
+          <a:prstGeom prst="curvedConnector3">
+            <a:avLst>
+              <a:gd name="adj1" fmla="val -87134"/>
+            </a:avLst>
+          </a:prstGeom>
+          <a:noFill/>
+          <a:ln w="9525">
+            <a:solidFill>
+              <a:schemeClr val="tx1"/>
+            </a:solidFill>
+            <a:prstDash val="dash"/>
+            <a:round/>
+            <a:headEnd/>
+            <a:tailEnd type="triangle" w="lg" len="lg"/>
+          </a:ln>
+          <a:effectLst/>
+          <a:extLst>
+            <a:ext uri="{909E8E84-426E-40DD-AFC4-6F175D3DCCD1}">
+              <a14:hiddenFill xmlns:a14="http://schemas.microsoft.com/office/drawing/2010/main">
+                <a:noFill/>
+              </a14:hiddenFill>
+            </a:ext>
+            <a:ext uri="{AF507438-7753-43E0-B8FC-AC1667EBCBE1}">
+              <a14:hiddenEffects xmlns:a14="http://schemas.microsoft.com/office/drawing/2010/main">
+                <a:effectLst>
+                  <a:outerShdw dist="35921" dir="2700000" algn="ctr" rotWithShape="0">
+                    <a:schemeClr val="bg2"/>
+                  </a:outerShdw>
+                </a:effectLst>
+              </a14:hiddenEffects>
+            </a:ext>
+          </a:extLst>
+        </p:spPr>
+      </p:cxnSp>
+      <p:sp>
+        <p:nvSpPr>
+          <p:cNvPr id="12" name="Text Box 20"/>
+          <p:cNvSpPr txBox="1">
+            <a:spLocks noChangeArrowheads="1"/>
+          </p:cNvSpPr>
+          <p:nvPr/>
+        </p:nvSpPr>
+        <p:spPr bwMode="auto">
+          <a:xfrm>
+            <a:off x="2124075" y="3141663"/>
+            <a:ext cx="1052513" cy="581025"/>
+          </a:xfrm>
+          <a:prstGeom prst="rect">
+            <a:avLst/>
+          </a:prstGeom>
+          <a:noFill/>
+          <a:ln>
+            <a:noFill/>
+          </a:ln>
+          <a:effectLst/>
+          <a:extLst>
+            <a:ext uri="{909E8E84-426E-40DD-AFC4-6F175D3DCCD1}">
+              <a14:hiddenFill xmlns:a14="http://schemas.microsoft.com/office/drawing/2010/main">
+                <a:solidFill>
+                  <a:schemeClr val="accent1"/>
+                </a:solidFill>
+              </a14:hiddenFill>
+            </a:ext>
+            <a:ext uri="{91240B29-F687-4F45-9708-019B960494DF}">
+              <a14:hiddenLine xmlns:a14="http://schemas.microsoft.com/office/drawing/2010/main" w="9525">
+                <a:solidFill>
+                  <a:schemeClr val="tx1"/>
+                </a:solidFill>
+                <a:miter lim="800000"/>
+                <a:headEnd/>
+                <a:tailEnd/>
+              </a14:hiddenLine>
+            </a:ext>
+            <a:ext uri="{AF507438-7753-43E0-B8FC-AC1667EBCBE1}">
+              <a14:hiddenEffects xmlns:a14="http://schemas.microsoft.com/office/drawing/2010/main">
+                <a:effectLst>
+                  <a:outerShdw dist="35921" dir="2700000" algn="ctr" rotWithShape="0">
+                    <a:schemeClr val="bg2"/>
+                  </a:outerShdw>
+                </a:effectLst>
+              </a14:hiddenEffects>
+            </a:ext>
+          </a:extLst>
+        </p:spPr>
+        <p:txBody>
+          <a:bodyPr wrap="none">
+            <a:spAutoFit/>
+          </a:bodyPr>
+          <a:lstStyle>
+            <a:lvl1pPr>
+              <a:spcBef>
+                <a:spcPct val="20000"/>
+              </a:spcBef>
+              <a:buChar char="•"/>
+              <a:defRPr sz="3000">
+                <a:solidFill>
+                  <a:schemeClr val="tx1"/>
+                </a:solidFill>
+                <a:latin typeface="Arial" panose="020B0604020202020204" pitchFamily="34" charset="0"/>
+              </a:defRPr>
+            </a:lvl1pPr>
+            <a:lvl2pPr marL="742950" indent="-285750">
+              <a:spcBef>
+                <a:spcPct val="20000"/>
+              </a:spcBef>
+              <a:buFont typeface="Wingdings" panose="05000000000000000000" pitchFamily="2" charset="2"/>
+              <a:buChar char="§"/>
+              <a:defRPr sz="2600">
+                <a:solidFill>
+                  <a:schemeClr val="tx1"/>
+                </a:solidFill>
+                <a:latin typeface="Arial" panose="020B0604020202020204" pitchFamily="34" charset="0"/>
+              </a:defRPr>
+            </a:lvl2pPr>
+            <a:lvl3pPr marL="1143000" indent="-228600">
+              <a:spcBef>
+                <a:spcPct val="20000"/>
+              </a:spcBef>
+              <a:buChar char="•"/>
+              <a:defRPr sz="2400">
+                <a:solidFill>
+                  <a:schemeClr val="tx1"/>
+                </a:solidFill>
+                <a:latin typeface="Arial" panose="020B0604020202020204" pitchFamily="34" charset="0"/>
+              </a:defRPr>
+            </a:lvl3pPr>
+            <a:lvl4pPr marL="1600200" indent="-228600">
+              <a:spcBef>
+                <a:spcPct val="20000"/>
+              </a:spcBef>
+              <a:buChar char="–"/>
+              <a:defRPr sz="2400">
+                <a:solidFill>
+                  <a:schemeClr val="tx1"/>
+                </a:solidFill>
+                <a:latin typeface="Arial" panose="020B0604020202020204" pitchFamily="34" charset="0"/>
+              </a:defRPr>
+            </a:lvl4pPr>
+            <a:lvl5pPr marL="2057400" indent="-228600">
+              <a:spcBef>
+                <a:spcPct val="20000"/>
+              </a:spcBef>
+              <a:buChar char="»"/>
+              <a:defRPr sz="2000">
+                <a:solidFill>
+                  <a:schemeClr val="tx1"/>
+                </a:solidFill>
+                <a:latin typeface="Arial" panose="020B0604020202020204" pitchFamily="34" charset="0"/>
+              </a:defRPr>
+            </a:lvl5pPr>
+            <a:lvl6pPr marL="2514600" indent="-228600" eaLnBrk="0" fontAlgn="base" hangingPunct="0">
+              <a:spcBef>
+                <a:spcPct val="20000"/>
+              </a:spcBef>
+              <a:spcAft>
+                <a:spcPct val="0"/>
+              </a:spcAft>
+              <a:buChar char="»"/>
+              <a:defRPr sz="2000">
+                <a:solidFill>
+                  <a:schemeClr val="tx1"/>
+                </a:solidFill>
+                <a:latin typeface="Arial" panose="020B0604020202020204" pitchFamily="34" charset="0"/>
+              </a:defRPr>
+            </a:lvl6pPr>
+            <a:lvl7pPr marL="2971800" indent="-228600" eaLnBrk="0" fontAlgn="base" hangingPunct="0">
+              <a:spcBef>
+                <a:spcPct val="20000"/>
+              </a:spcBef>
+              <a:spcAft>
+                <a:spcPct val="0"/>
+              </a:spcAft>
+              <a:buChar char="»"/>
+              <a:defRPr sz="2000">
+                <a:solidFill>
+                  <a:schemeClr val="tx1"/>
+                </a:solidFill>
+                <a:latin typeface="Arial" panose="020B0604020202020204" pitchFamily="34" charset="0"/>
+              </a:defRPr>
+            </a:lvl7pPr>
+            <a:lvl8pPr marL="3429000" indent="-228600" eaLnBrk="0" fontAlgn="base" hangingPunct="0">
+              <a:spcBef>
+                <a:spcPct val="20000"/>
+              </a:spcBef>
+              <a:spcAft>
+                <a:spcPct val="0"/>
+              </a:spcAft>
+              <a:buChar char="»"/>
+              <a:defRPr sz="2000">
+                <a:solidFill>
+                  <a:schemeClr val="tx1"/>
+                </a:solidFill>
+                <a:latin typeface="Arial" panose="020B0604020202020204" pitchFamily="34" charset="0"/>
+              </a:defRPr>
+            </a:lvl8pPr>
+            <a:lvl9pPr marL="3886200" indent="-228600" eaLnBrk="0" fontAlgn="base" hangingPunct="0">
+              <a:spcBef>
+                <a:spcPct val="20000"/>
+              </a:spcBef>
+              <a:spcAft>
+                <a:spcPct val="0"/>
+              </a:spcAft>
+              <a:buChar char="»"/>
+              <a:defRPr sz="2000">
+                <a:solidFill>
+                  <a:schemeClr val="tx1"/>
+                </a:solidFill>
+                <a:latin typeface="Arial" panose="020B0604020202020204" pitchFamily="34" charset="0"/>
+              </a:defRPr>
+            </a:lvl9pPr>
+          </a:lstStyle>
+          <a:p>
+            <a:pPr eaLnBrk="1" hangingPunct="1">
+              <a:spcBef>
+                <a:spcPct val="0"/>
+              </a:spcBef>
+              <a:buFontTx/>
+              <a:buNone/>
+            </a:pPr>
+            <a:r>
+              <a:rPr lang="en-US" altLang="de-DE" sz="1600"/>
+              <a:t>subscribe</a:t>
+            </a:r>
+            <a:br>
+              <a:rPr lang="en-US" altLang="de-DE" sz="1600"/>
+            </a:br>
+            <a:r>
+              <a:rPr lang="en-US" altLang="de-DE" sz="1600"/>
+              <a:t>to time</a:t>
+            </a:r>
+          </a:p>
+        </p:txBody>
+      </p:sp>
+    </p:spTree>
+    <p:extLst>
+      <p:ext uri="{BB962C8B-B14F-4D97-AF65-F5344CB8AC3E}">
+        <p14:creationId xmlns:p14="http://schemas.microsoft.com/office/powerpoint/2010/main" val="2700646389"/>
+      </p:ext>
+    </p:extLst>
+  </p:cSld>
+  <p:clrMapOvr>
+    <a:masterClrMapping/>
+  </p:clrMapOvr>
+</p:sld>
+</file>
+
+<file path=ppt/slides/slide3.xml><?xml version="1.0" encoding="utf-8"?>
 <p:sld xmlns:a="http://schemas.openxmlformats.org/drawingml/2006/main" xmlns:r="http://schemas.openxmlformats.org/officeDocument/2006/relationships" xmlns:p="http://schemas.openxmlformats.org/presentationml/2006/main">
   <p:cSld>
     <p:spTree>
@@ -4887,7 +6788,7 @@
 </p:sld>
 </file>
 
-<file path=ppt/slides/slide2.xml><?xml version="1.0" encoding="utf-8"?>
+<file path=ppt/slides/slide4.xml><?xml version="1.0" encoding="utf-8"?>
 <p:sld xmlns:a="http://schemas.openxmlformats.org/drawingml/2006/main" xmlns:r="http://schemas.openxmlformats.org/officeDocument/2006/relationships" xmlns:p="http://schemas.openxmlformats.org/presentationml/2006/main">
   <p:cSld>
     <p:spTree>
@@ -6814,7 +8715,7 @@
 </p:sld>
 </file>
 
-<file path=ppt/slides/slide3.xml><?xml version="1.0" encoding="utf-8"?>
+<file path=ppt/slides/slide5.xml><?xml version="1.0" encoding="utf-8"?>
 <p:sld xmlns:a="http://schemas.openxmlformats.org/drawingml/2006/main" xmlns:r="http://schemas.openxmlformats.org/officeDocument/2006/relationships" xmlns:p="http://schemas.openxmlformats.org/presentationml/2006/main">
   <p:cSld>
     <p:spTree>
@@ -9607,7 +11508,7 @@
 </p:sld>
 </file>
 
-<file path=ppt/slides/slide4.xml><?xml version="1.0" encoding="utf-8"?>
+<file path=ppt/slides/slide6.xml><?xml version="1.0" encoding="utf-8"?>
 <p:sld xmlns:a="http://schemas.openxmlformats.org/drawingml/2006/main" xmlns:r="http://schemas.openxmlformats.org/officeDocument/2006/relationships" xmlns:p="http://schemas.openxmlformats.org/presentationml/2006/main">
   <p:cSld>
     <p:spTree>

--- a/docs/tutorials/quickstart/quickstart-images.pptx
+++ b/docs/tutorials/quickstart/quickstart-images.pptx
@@ -9172,13 +9172,31 @@
               <a:buNone/>
             </a:pPr>
             <a:r>
-              <a:rPr lang="de-DE" altLang="de-DE" sz="1300">
+              <a:rPr lang="de-DE" altLang="de-DE" sz="1300" dirty="0">
                 <a:solidFill>
                   <a:srgbClr val="000000"/>
                 </a:solidFill>
                 <a:cs typeface="Arial" panose="020B0604020202020204" pitchFamily="34" charset="0"/>
               </a:rPr>
-              <a:t>+ getLocation()</a:t>
+              <a:t>+ </a:t>
+            </a:r>
+            <a:r>
+              <a:rPr lang="de-DE" altLang="de-DE" sz="1300" dirty="0" err="1">
+                <a:solidFill>
+                  <a:srgbClr val="000000"/>
+                </a:solidFill>
+                <a:cs typeface="Arial" panose="020B0604020202020204" pitchFamily="34" charset="0"/>
+              </a:rPr>
+              <a:t>getLocation</a:t>
+            </a:r>
+            <a:r>
+              <a:rPr lang="de-DE" altLang="de-DE" sz="1300" dirty="0">
+                <a:solidFill>
+                  <a:srgbClr val="000000"/>
+                </a:solidFill>
+                <a:cs typeface="Arial" panose="020B0604020202020204" pitchFamily="34" charset="0"/>
+              </a:rPr>
+              <a:t>()</a:t>
             </a:r>
           </a:p>
           <a:p>
@@ -9193,14 +9211,38 @@
               <a:buNone/>
             </a:pPr>
             <a:r>
-              <a:rPr lang="de-DE" altLang="de-DE" sz="1300">
+              <a:rPr lang="de-DE" altLang="de-DE" sz="1300" dirty="0">
                 <a:solidFill>
                   <a:srgbClr val="000000"/>
                 </a:solidFill>
                 <a:cs typeface="Arial" panose="020B0604020202020204" pitchFamily="34" charset="0"/>
               </a:rPr>
-              <a:t>+ subscribe()</a:t>
+              <a:t>+ </a:t>
             </a:r>
+            <a:r>
+              <a:rPr lang="de-DE" altLang="de-DE" sz="1300" dirty="0" err="1" smtClean="0">
+                <a:solidFill>
+                  <a:srgbClr val="000000"/>
+                </a:solidFill>
+                <a:cs typeface="Arial" panose="020B0604020202020204" pitchFamily="34" charset="0"/>
+              </a:rPr>
+              <a:t>subscribe</a:t>
+            </a:r>
+            <a:r>
+              <a:rPr lang="de-DE" altLang="de-DE" sz="1300" dirty="0" smtClean="0">
+                <a:solidFill>
+                  <a:srgbClr val="000000"/>
+                </a:solidFill>
+                <a:cs typeface="Arial" panose="020B0604020202020204" pitchFamily="34" charset="0"/>
+              </a:rPr>
+              <a:t>()</a:t>
+            </a:r>
+            <a:endParaRPr lang="de-DE" altLang="de-DE" sz="1300" dirty="0">
+              <a:solidFill>
+                <a:srgbClr val="000000"/>
+              </a:solidFill>
+              <a:cs typeface="Arial" panose="020B0604020202020204" pitchFamily="34" charset="0"/>
+            </a:endParaRPr>
           </a:p>
         </p:txBody>
       </p:sp>
@@ -12008,8 +12050,35 @@
                 <a:uFillTx/>
                 <a:latin typeface="Arial" panose="020B0604020202020204" pitchFamily="34" charset="0"/>
               </a:rPr>
-              <a:t>subscribe()</a:t>
+              <a:t>subscribe</a:t>
             </a:r>
+            <a:r>
+              <a:rPr kumimoji="0" lang="en-US" altLang="de-DE" sz="1000" b="0" i="0" u="none" strike="noStrike" kern="0" cap="none" spc="0" normalizeH="0" baseline="0" noProof="0" smtClean="0">
+                <a:ln>
+                  <a:noFill/>
+                </a:ln>
+                <a:solidFill>
+                  <a:srgbClr val="000000"/>
+                </a:solidFill>
+                <a:effectLst/>
+                <a:uLnTx/>
+                <a:uFillTx/>
+                <a:latin typeface="Arial" panose="020B0604020202020204" pitchFamily="34" charset="0"/>
+              </a:rPr>
+              <a:t>(…)</a:t>
+            </a:r>
+            <a:endParaRPr kumimoji="0" lang="en-US" altLang="de-DE" sz="1000" b="0" i="0" u="none" strike="noStrike" kern="0" cap="none" spc="0" normalizeH="0" baseline="0" noProof="0" smtClean="0">
+              <a:ln>
+                <a:noFill/>
+              </a:ln>
+              <a:solidFill>
+                <a:srgbClr val="000000"/>
+              </a:solidFill>
+              <a:effectLst/>
+              <a:uLnTx/>
+              <a:uFillTx/>
+              <a:latin typeface="Arial" panose="020B0604020202020204" pitchFamily="34" charset="0"/>
+            </a:endParaRPr>
           </a:p>
         </p:txBody>
       </p:sp>
